--- a/pics/2021-01-26-types_of_errors/pics.pptx
+++ b/pics/2021-01-26-types_of_errors/pics.pptx
@@ -6,6 +6,7 @@
   </p:sldMasterIdLst>
   <p:sldIdLst>
     <p:sldId id="256" r:id="rId2"/>
+    <p:sldId id="257" r:id="rId3"/>
   </p:sldIdLst>
   <p:sldSz cx="12192000" cy="6858000"/>
   <p:notesSz cx="6858000" cy="9144000"/>
@@ -104,6 +105,11 @@
       </a:defRPr>
     </a:lvl9pPr>
   </p:defaultTextStyle>
+  <p:extLst>
+    <p:ext uri="{EFAFB233-063F-42B5-8137-9DF3F51BA10A}">
+      <p15:sldGuideLst xmlns:p15="http://schemas.microsoft.com/office/powerpoint/2012/main"/>
+    </p:ext>
+  </p:extLst>
 </p:presentation>
 </file>
 
@@ -254,7 +260,7 @@
           <a:p>
             <a:fld id="{042CF8E4-1984-4611-95DC-7F75C7FB13BF}" type="datetimeFigureOut">
               <a:rPr lang="ko-KR" altLang="en-US" smtClean="0"/>
-              <a:t>2021-01-30</a:t>
+              <a:t>2023-05-08</a:t>
             </a:fld>
             <a:endParaRPr lang="ko-KR" altLang="en-US"/>
           </a:p>
@@ -452,7 +458,7 @@
           <a:p>
             <a:fld id="{042CF8E4-1984-4611-95DC-7F75C7FB13BF}" type="datetimeFigureOut">
               <a:rPr lang="ko-KR" altLang="en-US" smtClean="0"/>
-              <a:t>2021-01-30</a:t>
+              <a:t>2023-05-08</a:t>
             </a:fld>
             <a:endParaRPr lang="ko-KR" altLang="en-US"/>
           </a:p>
@@ -660,7 +666,7 @@
           <a:p>
             <a:fld id="{042CF8E4-1984-4611-95DC-7F75C7FB13BF}" type="datetimeFigureOut">
               <a:rPr lang="ko-KR" altLang="en-US" smtClean="0"/>
-              <a:t>2021-01-30</a:t>
+              <a:t>2023-05-08</a:t>
             </a:fld>
             <a:endParaRPr lang="ko-KR" altLang="en-US"/>
           </a:p>
@@ -858,7 +864,7 @@
           <a:p>
             <a:fld id="{042CF8E4-1984-4611-95DC-7F75C7FB13BF}" type="datetimeFigureOut">
               <a:rPr lang="ko-KR" altLang="en-US" smtClean="0"/>
-              <a:t>2021-01-30</a:t>
+              <a:t>2023-05-08</a:t>
             </a:fld>
             <a:endParaRPr lang="ko-KR" altLang="en-US"/>
           </a:p>
@@ -1133,7 +1139,7 @@
           <a:p>
             <a:fld id="{042CF8E4-1984-4611-95DC-7F75C7FB13BF}" type="datetimeFigureOut">
               <a:rPr lang="ko-KR" altLang="en-US" smtClean="0"/>
-              <a:t>2021-01-30</a:t>
+              <a:t>2023-05-08</a:t>
             </a:fld>
             <a:endParaRPr lang="ko-KR" altLang="en-US"/>
           </a:p>
@@ -1398,7 +1404,7 @@
           <a:p>
             <a:fld id="{042CF8E4-1984-4611-95DC-7F75C7FB13BF}" type="datetimeFigureOut">
               <a:rPr lang="ko-KR" altLang="en-US" smtClean="0"/>
-              <a:t>2021-01-30</a:t>
+              <a:t>2023-05-08</a:t>
             </a:fld>
             <a:endParaRPr lang="ko-KR" altLang="en-US"/>
           </a:p>
@@ -1810,7 +1816,7 @@
           <a:p>
             <a:fld id="{042CF8E4-1984-4611-95DC-7F75C7FB13BF}" type="datetimeFigureOut">
               <a:rPr lang="ko-KR" altLang="en-US" smtClean="0"/>
-              <a:t>2021-01-30</a:t>
+              <a:t>2023-05-08</a:t>
             </a:fld>
             <a:endParaRPr lang="ko-KR" altLang="en-US"/>
           </a:p>
@@ -1951,7 +1957,7 @@
           <a:p>
             <a:fld id="{042CF8E4-1984-4611-95DC-7F75C7FB13BF}" type="datetimeFigureOut">
               <a:rPr lang="ko-KR" altLang="en-US" smtClean="0"/>
-              <a:t>2021-01-30</a:t>
+              <a:t>2023-05-08</a:t>
             </a:fld>
             <a:endParaRPr lang="ko-KR" altLang="en-US"/>
           </a:p>
@@ -2064,7 +2070,7 @@
           <a:p>
             <a:fld id="{042CF8E4-1984-4611-95DC-7F75C7FB13BF}" type="datetimeFigureOut">
               <a:rPr lang="ko-KR" altLang="en-US" smtClean="0"/>
-              <a:t>2021-01-30</a:t>
+              <a:t>2023-05-08</a:t>
             </a:fld>
             <a:endParaRPr lang="ko-KR" altLang="en-US"/>
           </a:p>
@@ -2375,7 +2381,7 @@
           <a:p>
             <a:fld id="{042CF8E4-1984-4611-95DC-7F75C7FB13BF}" type="datetimeFigureOut">
               <a:rPr lang="ko-KR" altLang="en-US" smtClean="0"/>
-              <a:t>2021-01-30</a:t>
+              <a:t>2023-05-08</a:t>
             </a:fld>
             <a:endParaRPr lang="ko-KR" altLang="en-US"/>
           </a:p>
@@ -2663,7 +2669,7 @@
           <a:p>
             <a:fld id="{042CF8E4-1984-4611-95DC-7F75C7FB13BF}" type="datetimeFigureOut">
               <a:rPr lang="ko-KR" altLang="en-US" smtClean="0"/>
-              <a:t>2021-01-30</a:t>
+              <a:t>2023-05-08</a:t>
             </a:fld>
             <a:endParaRPr lang="ko-KR" altLang="en-US"/>
           </a:p>
@@ -2904,7 +2910,7 @@
           <a:p>
             <a:fld id="{042CF8E4-1984-4611-95DC-7F75C7FB13BF}" type="datetimeFigureOut">
               <a:rPr lang="ko-KR" altLang="en-US" smtClean="0"/>
-              <a:t>2021-01-30</a:t>
+              <a:t>2023-05-08</a:t>
             </a:fld>
             <a:endParaRPr lang="ko-KR" altLang="en-US"/>
           </a:p>
@@ -4307,6 +4313,842 @@
 </p:sld>
 </file>
 
+<file path=ppt/slides/slide2.xml><?xml version="1.0" encoding="utf-8"?>
+<p:sld xmlns:a="http://schemas.openxmlformats.org/drawingml/2006/main" xmlns:r="http://schemas.openxmlformats.org/officeDocument/2006/relationships" xmlns:p="http://schemas.openxmlformats.org/presentationml/2006/main">
+  <p:cSld>
+    <p:spTree>
+      <p:nvGrpSpPr>
+        <p:cNvPr id="1" name=""/>
+        <p:cNvGrpSpPr/>
+        <p:nvPr/>
+      </p:nvGrpSpPr>
+      <p:grpSpPr>
+        <a:xfrm>
+          <a:off x="0" y="0"/>
+          <a:ext cx="0" cy="0"/>
+          <a:chOff x="0" y="0"/>
+          <a:chExt cx="0" cy="0"/>
+        </a:xfrm>
+      </p:grpSpPr>
+      <p:graphicFrame>
+        <p:nvGraphicFramePr>
+          <p:cNvPr id="4" name="표 4">
+            <a:extLst>
+              <a:ext uri="{FF2B5EF4-FFF2-40B4-BE49-F238E27FC236}">
+                <a16:creationId xmlns:a16="http://schemas.microsoft.com/office/drawing/2014/main" id="{D5417851-03B5-44F2-B577-EBC5DA6C2CEB}"/>
+              </a:ext>
+            </a:extLst>
+          </p:cNvPr>
+          <p:cNvGraphicFramePr>
+            <a:graphicFrameLocks noGrp="1"/>
+          </p:cNvGraphicFramePr>
+          <p:nvPr>
+            <p:extLst>
+              <p:ext uri="{D42A27DB-BD31-4B8C-83A1-F6EECF244321}">
+                <p14:modId xmlns:p14="http://schemas.microsoft.com/office/powerpoint/2010/main" val="1452283057"/>
+              </p:ext>
+            </p:extLst>
+          </p:nvPr>
+        </p:nvGraphicFramePr>
+        <p:xfrm>
+          <a:off x="2032001" y="1587054"/>
+          <a:ext cx="8127999" cy="3683892"/>
+        </p:xfrm>
+        <a:graphic>
+          <a:graphicData uri="http://schemas.openxmlformats.org/drawingml/2006/table">
+            <a:tbl>
+              <a:tblPr firstRow="1" bandRow="1">
+                <a:tableStyleId>{5C22544A-7EE6-4342-B048-85BDC9FD1C3A}</a:tableStyleId>
+              </a:tblPr>
+              <a:tblGrid>
+                <a:gridCol w="2709333">
+                  <a:extLst>
+                    <a:ext uri="{9D8B030D-6E8A-4147-A177-3AD203B41FA5}">
+                      <a16:colId xmlns:a16="http://schemas.microsoft.com/office/drawing/2014/main" val="2014168560"/>
+                    </a:ext>
+                  </a:extLst>
+                </a:gridCol>
+                <a:gridCol w="2709333">
+                  <a:extLst>
+                    <a:ext uri="{9D8B030D-6E8A-4147-A177-3AD203B41FA5}">
+                      <a16:colId xmlns:a16="http://schemas.microsoft.com/office/drawing/2014/main" val="2389506204"/>
+                    </a:ext>
+                  </a:extLst>
+                </a:gridCol>
+                <a:gridCol w="2709333">
+                  <a:extLst>
+                    <a:ext uri="{9D8B030D-6E8A-4147-A177-3AD203B41FA5}">
+                      <a16:colId xmlns:a16="http://schemas.microsoft.com/office/drawing/2014/main" val="221387638"/>
+                    </a:ext>
+                  </a:extLst>
+                </a:gridCol>
+              </a:tblGrid>
+              <a:tr h="1227964">
+                <a:tc>
+                  <a:txBody>
+                    <a:bodyPr/>
+                    <a:lstStyle/>
+                    <a:p>
+                      <a:pPr algn="ctr" latinLnBrk="1"/>
+                      <a:endParaRPr lang="ko-KR" altLang="en-US" b="0" dirty="0">
+                        <a:solidFill>
+                          <a:schemeClr val="tx1"/>
+                        </a:solidFill>
+                        <a:latin typeface="배달의민족 주아" panose="02020603020101020101" pitchFamily="18" charset="-127"/>
+                        <a:ea typeface="배달의민족 주아" panose="02020603020101020101" pitchFamily="18" charset="-127"/>
+                      </a:endParaRPr>
+                    </a:p>
+                  </a:txBody>
+                  <a:tcPr anchor="ctr">
+                    <a:lnL w="12700" cap="flat" cmpd="sng" algn="ctr">
+                      <a:solidFill>
+                        <a:schemeClr val="tx1"/>
+                      </a:solidFill>
+                      <a:prstDash val="solid"/>
+                      <a:round/>
+                      <a:headEnd type="none" w="med" len="med"/>
+                      <a:tailEnd type="none" w="med" len="med"/>
+                    </a:lnL>
+                    <a:lnR w="12700" cap="flat" cmpd="sng" algn="ctr">
+                      <a:solidFill>
+                        <a:schemeClr val="tx1"/>
+                      </a:solidFill>
+                      <a:prstDash val="solid"/>
+                      <a:round/>
+                      <a:headEnd type="none" w="med" len="med"/>
+                      <a:tailEnd type="none" w="med" len="med"/>
+                    </a:lnR>
+                    <a:lnT w="12700" cap="flat" cmpd="sng" algn="ctr">
+                      <a:solidFill>
+                        <a:schemeClr val="tx1"/>
+                      </a:solidFill>
+                      <a:prstDash val="solid"/>
+                      <a:round/>
+                      <a:headEnd type="none" w="med" len="med"/>
+                      <a:tailEnd type="none" w="med" len="med"/>
+                    </a:lnT>
+                    <a:lnB w="12700" cap="flat" cmpd="sng" algn="ctr">
+                      <a:solidFill>
+                        <a:schemeClr val="tx1"/>
+                      </a:solidFill>
+                      <a:prstDash val="solid"/>
+                      <a:round/>
+                      <a:headEnd type="none" w="med" len="med"/>
+                      <a:tailEnd type="none" w="med" len="med"/>
+                    </a:lnB>
+                    <a:solidFill>
+                      <a:schemeClr val="bg2"/>
+                    </a:solidFill>
+                  </a:tcPr>
+                </a:tc>
+                <a:tc>
+                  <a:txBody>
+                    <a:bodyPr/>
+                    <a:lstStyle/>
+                    <a:p>
+                      <a:pPr algn="ctr" latinLnBrk="1"/>
+                      <a:r>
+                        <a:rPr lang="en-US" altLang="ko-KR" b="0" dirty="0">
+                          <a:solidFill>
+                            <a:schemeClr val="tx1"/>
+                          </a:solidFill>
+                          <a:latin typeface="배달의민족 주아" panose="02020603020101020101" pitchFamily="18" charset="-127"/>
+                          <a:ea typeface="배달의민족 주아" panose="02020603020101020101" pitchFamily="18" charset="-127"/>
+                        </a:rPr>
+                        <a:t>Null Hypothesis = True</a:t>
+                      </a:r>
+                    </a:p>
+                    <a:p>
+                      <a:pPr algn="ctr" latinLnBrk="1"/>
+                      <a:r>
+                        <a:rPr lang="en-US" altLang="ko-KR" b="0" dirty="0">
+                          <a:solidFill>
+                            <a:schemeClr val="tx1"/>
+                          </a:solidFill>
+                          <a:latin typeface="배달의민족 주아" panose="02020603020101020101" pitchFamily="18" charset="-127"/>
+                          <a:ea typeface="배달의민족 주아" panose="02020603020101020101" pitchFamily="18" charset="-127"/>
+                        </a:rPr>
+                        <a:t>(No Fire)</a:t>
+                      </a:r>
+                      <a:endParaRPr lang="ko-KR" altLang="en-US" b="0" dirty="0">
+                        <a:solidFill>
+                          <a:schemeClr val="tx1"/>
+                        </a:solidFill>
+                        <a:latin typeface="배달의민족 주아" panose="02020603020101020101" pitchFamily="18" charset="-127"/>
+                        <a:ea typeface="배달의민족 주아" panose="02020603020101020101" pitchFamily="18" charset="-127"/>
+                      </a:endParaRPr>
+                    </a:p>
+                  </a:txBody>
+                  <a:tcPr anchor="ctr">
+                    <a:lnL w="12700" cap="flat" cmpd="sng" algn="ctr">
+                      <a:solidFill>
+                        <a:schemeClr val="tx1"/>
+                      </a:solidFill>
+                      <a:prstDash val="solid"/>
+                      <a:round/>
+                      <a:headEnd type="none" w="med" len="med"/>
+                      <a:tailEnd type="none" w="med" len="med"/>
+                    </a:lnL>
+                    <a:lnR w="12700" cap="flat" cmpd="sng" algn="ctr">
+                      <a:solidFill>
+                        <a:schemeClr val="tx1"/>
+                      </a:solidFill>
+                      <a:prstDash val="solid"/>
+                      <a:round/>
+                      <a:headEnd type="none" w="med" len="med"/>
+                      <a:tailEnd type="none" w="med" len="med"/>
+                    </a:lnR>
+                    <a:lnT w="12700" cap="flat" cmpd="sng" algn="ctr">
+                      <a:solidFill>
+                        <a:schemeClr val="tx1"/>
+                      </a:solidFill>
+                      <a:prstDash val="solid"/>
+                      <a:round/>
+                      <a:headEnd type="none" w="med" len="med"/>
+                      <a:tailEnd type="none" w="med" len="med"/>
+                    </a:lnT>
+                    <a:lnB w="12700" cap="flat" cmpd="sng" algn="ctr">
+                      <a:solidFill>
+                        <a:schemeClr val="tx1"/>
+                      </a:solidFill>
+                      <a:prstDash val="solid"/>
+                      <a:round/>
+                      <a:headEnd type="none" w="med" len="med"/>
+                      <a:tailEnd type="none" w="med" len="med"/>
+                    </a:lnB>
+                    <a:solidFill>
+                      <a:schemeClr val="bg2"/>
+                    </a:solidFill>
+                  </a:tcPr>
+                </a:tc>
+                <a:tc>
+                  <a:txBody>
+                    <a:bodyPr/>
+                    <a:lstStyle/>
+                    <a:p>
+                      <a:pPr algn="ctr" latinLnBrk="1"/>
+                      <a:r>
+                        <a:rPr lang="en-US" altLang="ko-KR" b="0" dirty="0">
+                          <a:solidFill>
+                            <a:schemeClr val="tx1"/>
+                          </a:solidFill>
+                          <a:latin typeface="배달의민족 주아" panose="02020603020101020101" pitchFamily="18" charset="-127"/>
+                          <a:ea typeface="배달의민족 주아" panose="02020603020101020101" pitchFamily="18" charset="-127"/>
+                        </a:rPr>
+                        <a:t>Null Hypothesis = False</a:t>
+                      </a:r>
+                    </a:p>
+                    <a:p>
+                      <a:pPr algn="ctr" latinLnBrk="1"/>
+                      <a:r>
+                        <a:rPr lang="en-US" altLang="ko-KR" b="0" dirty="0">
+                          <a:solidFill>
+                            <a:schemeClr val="tx1"/>
+                          </a:solidFill>
+                          <a:latin typeface="배달의민족 주아" panose="02020603020101020101" pitchFamily="18" charset="-127"/>
+                          <a:ea typeface="배달의민족 주아" panose="02020603020101020101" pitchFamily="18" charset="-127"/>
+                        </a:rPr>
+                        <a:t>(Fire)</a:t>
+                      </a:r>
+                      <a:endParaRPr lang="ko-KR" altLang="en-US" b="0" dirty="0">
+                        <a:solidFill>
+                          <a:schemeClr val="tx1"/>
+                        </a:solidFill>
+                        <a:latin typeface="배달의민족 주아" panose="02020603020101020101" pitchFamily="18" charset="-127"/>
+                        <a:ea typeface="배달의민족 주아" panose="02020603020101020101" pitchFamily="18" charset="-127"/>
+                      </a:endParaRPr>
+                    </a:p>
+                  </a:txBody>
+                  <a:tcPr anchor="ctr">
+                    <a:lnL w="12700" cap="flat" cmpd="sng" algn="ctr">
+                      <a:solidFill>
+                        <a:schemeClr val="tx1"/>
+                      </a:solidFill>
+                      <a:prstDash val="solid"/>
+                      <a:round/>
+                      <a:headEnd type="none" w="med" len="med"/>
+                      <a:tailEnd type="none" w="med" len="med"/>
+                    </a:lnL>
+                    <a:lnR w="12700" cap="flat" cmpd="sng" algn="ctr">
+                      <a:solidFill>
+                        <a:schemeClr val="tx1"/>
+                      </a:solidFill>
+                      <a:prstDash val="solid"/>
+                      <a:round/>
+                      <a:headEnd type="none" w="med" len="med"/>
+                      <a:tailEnd type="none" w="med" len="med"/>
+                    </a:lnR>
+                    <a:lnT w="12700" cap="flat" cmpd="sng" algn="ctr">
+                      <a:solidFill>
+                        <a:schemeClr val="tx1"/>
+                      </a:solidFill>
+                      <a:prstDash val="solid"/>
+                      <a:round/>
+                      <a:headEnd type="none" w="med" len="med"/>
+                      <a:tailEnd type="none" w="med" len="med"/>
+                    </a:lnT>
+                    <a:lnB w="12700" cap="flat" cmpd="sng" algn="ctr">
+                      <a:solidFill>
+                        <a:schemeClr val="tx1"/>
+                      </a:solidFill>
+                      <a:prstDash val="solid"/>
+                      <a:round/>
+                      <a:headEnd type="none" w="med" len="med"/>
+                      <a:tailEnd type="none" w="med" len="med"/>
+                    </a:lnB>
+                    <a:solidFill>
+                      <a:schemeClr val="bg2"/>
+                    </a:solidFill>
+                  </a:tcPr>
+                </a:tc>
+                <a:extLst>
+                  <a:ext uri="{0D108BD9-81ED-4DB2-BD59-A6C34878D82A}">
+                    <a16:rowId xmlns:a16="http://schemas.microsoft.com/office/drawing/2014/main" val="391997114"/>
+                  </a:ext>
+                </a:extLst>
+              </a:tr>
+              <a:tr h="1227964">
+                <a:tc>
+                  <a:txBody>
+                    <a:bodyPr/>
+                    <a:lstStyle/>
+                    <a:p>
+                      <a:pPr algn="ctr" latinLnBrk="1"/>
+                      <a:r>
+                        <a:rPr lang="en-US" altLang="ko-KR" b="0" dirty="0">
+                          <a:solidFill>
+                            <a:schemeClr val="tx1"/>
+                          </a:solidFill>
+                          <a:latin typeface="배달의민족 주아" panose="02020603020101020101" pitchFamily="18" charset="-127"/>
+                          <a:ea typeface="배달의민족 주아" panose="02020603020101020101" pitchFamily="18" charset="-127"/>
+                        </a:rPr>
+                        <a:t>Not Rejecting</a:t>
+                      </a:r>
+                    </a:p>
+                    <a:p>
+                      <a:pPr algn="ctr" latinLnBrk="1"/>
+                      <a:r>
+                        <a:rPr lang="en-US" altLang="ko-KR" b="0" dirty="0">
+                          <a:solidFill>
+                            <a:schemeClr val="tx1"/>
+                          </a:solidFill>
+                          <a:latin typeface="배달의민족 주아" panose="02020603020101020101" pitchFamily="18" charset="-127"/>
+                          <a:ea typeface="배달의민족 주아" panose="02020603020101020101" pitchFamily="18" charset="-127"/>
+                        </a:rPr>
+                        <a:t>Null Hypothesis</a:t>
+                      </a:r>
+                    </a:p>
+                    <a:p>
+                      <a:pPr algn="ctr" latinLnBrk="1"/>
+                      <a:r>
+                        <a:rPr lang="en-US" altLang="ko-KR" b="0" dirty="0">
+                          <a:solidFill>
+                            <a:schemeClr val="tx1"/>
+                          </a:solidFill>
+                          <a:latin typeface="배달의민족 주아" panose="02020603020101020101" pitchFamily="18" charset="-127"/>
+                          <a:ea typeface="배달의민족 주아" panose="02020603020101020101" pitchFamily="18" charset="-127"/>
+                        </a:rPr>
+                        <a:t>(No Fire Alarm)</a:t>
+                      </a:r>
+                      <a:endParaRPr lang="ko-KR" altLang="en-US" b="0" dirty="0">
+                        <a:solidFill>
+                          <a:schemeClr val="tx1"/>
+                        </a:solidFill>
+                        <a:latin typeface="배달의민족 주아" panose="02020603020101020101" pitchFamily="18" charset="-127"/>
+                        <a:ea typeface="배달의민족 주아" panose="02020603020101020101" pitchFamily="18" charset="-127"/>
+                      </a:endParaRPr>
+                    </a:p>
+                  </a:txBody>
+                  <a:tcPr anchor="ctr">
+                    <a:lnL w="12700" cap="flat" cmpd="sng" algn="ctr">
+                      <a:solidFill>
+                        <a:schemeClr val="tx1"/>
+                      </a:solidFill>
+                      <a:prstDash val="solid"/>
+                      <a:round/>
+                      <a:headEnd type="none" w="med" len="med"/>
+                      <a:tailEnd type="none" w="med" len="med"/>
+                    </a:lnL>
+                    <a:lnR w="12700" cap="flat" cmpd="sng" algn="ctr">
+                      <a:solidFill>
+                        <a:schemeClr val="tx1"/>
+                      </a:solidFill>
+                      <a:prstDash val="solid"/>
+                      <a:round/>
+                      <a:headEnd type="none" w="med" len="med"/>
+                      <a:tailEnd type="none" w="med" len="med"/>
+                    </a:lnR>
+                    <a:lnT w="12700" cap="flat" cmpd="sng" algn="ctr">
+                      <a:solidFill>
+                        <a:schemeClr val="tx1"/>
+                      </a:solidFill>
+                      <a:prstDash val="solid"/>
+                      <a:round/>
+                      <a:headEnd type="none" w="med" len="med"/>
+                      <a:tailEnd type="none" w="med" len="med"/>
+                    </a:lnT>
+                    <a:lnB w="12700" cap="flat" cmpd="sng" algn="ctr">
+                      <a:solidFill>
+                        <a:schemeClr val="tx1"/>
+                      </a:solidFill>
+                      <a:prstDash val="solid"/>
+                      <a:round/>
+                      <a:headEnd type="none" w="med" len="med"/>
+                      <a:tailEnd type="none" w="med" len="med"/>
+                    </a:lnB>
+                    <a:solidFill>
+                      <a:schemeClr val="bg2"/>
+                    </a:solidFill>
+                  </a:tcPr>
+                </a:tc>
+                <a:tc>
+                  <a:txBody>
+                    <a:bodyPr/>
+                    <a:lstStyle/>
+                    <a:p>
+                      <a:pPr algn="ctr" latinLnBrk="1"/>
+                      <a:r>
+                        <a:rPr lang="en-US" altLang="ko-KR" b="0" dirty="0">
+                          <a:solidFill>
+                            <a:schemeClr val="tx1"/>
+                          </a:solidFill>
+                          <a:latin typeface="배달의민족 주아" panose="02020603020101020101" pitchFamily="18" charset="-127"/>
+                          <a:ea typeface="배달의민족 주아" panose="02020603020101020101" pitchFamily="18" charset="-127"/>
+                        </a:rPr>
+                        <a:t>Right Decision</a:t>
+                      </a:r>
+                      <a:endParaRPr lang="ko-KR" altLang="en-US" b="0" dirty="0">
+                        <a:solidFill>
+                          <a:schemeClr val="tx1"/>
+                        </a:solidFill>
+                        <a:latin typeface="배달의민족 주아" panose="02020603020101020101" pitchFamily="18" charset="-127"/>
+                        <a:ea typeface="배달의민족 주아" panose="02020603020101020101" pitchFamily="18" charset="-127"/>
+                      </a:endParaRPr>
+                    </a:p>
+                  </a:txBody>
+                  <a:tcPr anchor="ctr">
+                    <a:lnL w="12700" cap="flat" cmpd="sng" algn="ctr">
+                      <a:solidFill>
+                        <a:schemeClr val="tx1"/>
+                      </a:solidFill>
+                      <a:prstDash val="solid"/>
+                      <a:round/>
+                      <a:headEnd type="none" w="med" len="med"/>
+                      <a:tailEnd type="none" w="med" len="med"/>
+                    </a:lnL>
+                    <a:lnR w="12700" cap="flat" cmpd="sng" algn="ctr">
+                      <a:solidFill>
+                        <a:schemeClr val="tx1"/>
+                      </a:solidFill>
+                      <a:prstDash val="solid"/>
+                      <a:round/>
+                      <a:headEnd type="none" w="med" len="med"/>
+                      <a:tailEnd type="none" w="med" len="med"/>
+                    </a:lnR>
+                    <a:lnT w="12700" cap="flat" cmpd="sng" algn="ctr">
+                      <a:solidFill>
+                        <a:schemeClr val="tx1"/>
+                      </a:solidFill>
+                      <a:prstDash val="solid"/>
+                      <a:round/>
+                      <a:headEnd type="none" w="med" len="med"/>
+                      <a:tailEnd type="none" w="med" len="med"/>
+                    </a:lnT>
+                    <a:lnB w="12700" cap="flat" cmpd="sng" algn="ctr">
+                      <a:solidFill>
+                        <a:schemeClr val="tx1"/>
+                      </a:solidFill>
+                      <a:prstDash val="solid"/>
+                      <a:round/>
+                      <a:headEnd type="none" w="med" len="med"/>
+                      <a:tailEnd type="none" w="med" len="med"/>
+                    </a:lnB>
+                    <a:solidFill>
+                      <a:schemeClr val="accent1">
+                        <a:lumMod val="20000"/>
+                        <a:lumOff val="80000"/>
+                      </a:schemeClr>
+                    </a:solidFill>
+                  </a:tcPr>
+                </a:tc>
+                <a:tc>
+                  <a:txBody>
+                    <a:bodyPr/>
+                    <a:lstStyle/>
+                    <a:p>
+                      <a:pPr algn="ctr" latinLnBrk="1"/>
+                      <a:r>
+                        <a:rPr lang="en-US" altLang="ko-KR" b="0" dirty="0">
+                          <a:solidFill>
+                            <a:schemeClr val="tx1"/>
+                          </a:solidFill>
+                          <a:latin typeface="배달의민족 주아" panose="02020603020101020101" pitchFamily="18" charset="-127"/>
+                          <a:ea typeface="배달의민족 주아" panose="02020603020101020101" pitchFamily="18" charset="-127"/>
+                        </a:rPr>
+                        <a:t>Type-II Error: Miss</a:t>
+                      </a:r>
+                    </a:p>
+                    <a:p>
+                      <a:pPr algn="ctr" latinLnBrk="1"/>
+                      <a:r>
+                        <a:rPr lang="en-US" altLang="ko-KR" b="0" dirty="0">
+                          <a:solidFill>
+                            <a:schemeClr val="tx1"/>
+                          </a:solidFill>
+                          <a:latin typeface="배달의민족 주아" panose="02020603020101020101" pitchFamily="18" charset="-127"/>
+                          <a:ea typeface="배달의민족 주아" panose="02020603020101020101" pitchFamily="18" charset="-127"/>
+                        </a:rPr>
+                        <a:t>(no alarm despite fire)</a:t>
+                      </a:r>
+                      <a:endParaRPr lang="ko-KR" altLang="en-US" b="0" dirty="0">
+                        <a:solidFill>
+                          <a:schemeClr val="tx1"/>
+                        </a:solidFill>
+                        <a:latin typeface="배달의민족 주아" panose="02020603020101020101" pitchFamily="18" charset="-127"/>
+                        <a:ea typeface="배달의민족 주아" panose="02020603020101020101" pitchFamily="18" charset="-127"/>
+                      </a:endParaRPr>
+                    </a:p>
+                  </a:txBody>
+                  <a:tcPr anchor="ctr">
+                    <a:lnL w="12700" cap="flat" cmpd="sng" algn="ctr">
+                      <a:solidFill>
+                        <a:schemeClr val="tx1"/>
+                      </a:solidFill>
+                      <a:prstDash val="solid"/>
+                      <a:round/>
+                      <a:headEnd type="none" w="med" len="med"/>
+                      <a:tailEnd type="none" w="med" len="med"/>
+                    </a:lnL>
+                    <a:lnR w="12700" cap="flat" cmpd="sng" algn="ctr">
+                      <a:solidFill>
+                        <a:schemeClr val="tx1"/>
+                      </a:solidFill>
+                      <a:prstDash val="solid"/>
+                      <a:round/>
+                      <a:headEnd type="none" w="med" len="med"/>
+                      <a:tailEnd type="none" w="med" len="med"/>
+                    </a:lnR>
+                    <a:lnT w="12700" cap="flat" cmpd="sng" algn="ctr">
+                      <a:solidFill>
+                        <a:schemeClr val="tx1"/>
+                      </a:solidFill>
+                      <a:prstDash val="solid"/>
+                      <a:round/>
+                      <a:headEnd type="none" w="med" len="med"/>
+                      <a:tailEnd type="none" w="med" len="med"/>
+                    </a:lnT>
+                    <a:lnB w="12700" cap="flat" cmpd="sng" algn="ctr">
+                      <a:solidFill>
+                        <a:schemeClr val="tx1"/>
+                      </a:solidFill>
+                      <a:prstDash val="solid"/>
+                      <a:round/>
+                      <a:headEnd type="none" w="med" len="med"/>
+                      <a:tailEnd type="none" w="med" len="med"/>
+                    </a:lnB>
+                    <a:solidFill>
+                      <a:schemeClr val="accent2">
+                        <a:lumMod val="40000"/>
+                        <a:lumOff val="60000"/>
+                      </a:schemeClr>
+                    </a:solidFill>
+                  </a:tcPr>
+                </a:tc>
+                <a:extLst>
+                  <a:ext uri="{0D108BD9-81ED-4DB2-BD59-A6C34878D82A}">
+                    <a16:rowId xmlns:a16="http://schemas.microsoft.com/office/drawing/2014/main" val="1973195120"/>
+                  </a:ext>
+                </a:extLst>
+              </a:tr>
+              <a:tr h="1227964">
+                <a:tc>
+                  <a:txBody>
+                    <a:bodyPr/>
+                    <a:lstStyle/>
+                    <a:p>
+                      <a:pPr algn="ctr" latinLnBrk="1"/>
+                      <a:r>
+                        <a:rPr lang="en-US" altLang="ko-KR" b="0" dirty="0">
+                          <a:solidFill>
+                            <a:schemeClr val="tx1"/>
+                          </a:solidFill>
+                          <a:latin typeface="배달의민족 주아" panose="02020603020101020101" pitchFamily="18" charset="-127"/>
+                          <a:ea typeface="배달의민족 주아" panose="02020603020101020101" pitchFamily="18" charset="-127"/>
+                        </a:rPr>
+                        <a:t>Rejecting</a:t>
+                      </a:r>
+                    </a:p>
+                    <a:p>
+                      <a:pPr algn="ctr" latinLnBrk="1"/>
+                      <a:r>
+                        <a:rPr lang="en-US" altLang="ko-KR" b="0" dirty="0">
+                          <a:solidFill>
+                            <a:schemeClr val="tx1"/>
+                          </a:solidFill>
+                          <a:latin typeface="배달의민족 주아" panose="02020603020101020101" pitchFamily="18" charset="-127"/>
+                          <a:ea typeface="배달의민족 주아" panose="02020603020101020101" pitchFamily="18" charset="-127"/>
+                        </a:rPr>
+                        <a:t>Null Hypothesis</a:t>
+                      </a:r>
+                    </a:p>
+                    <a:p>
+                      <a:pPr algn="ctr" latinLnBrk="1"/>
+                      <a:r>
+                        <a:rPr lang="en-US" altLang="ko-KR" b="0" dirty="0">
+                          <a:solidFill>
+                            <a:schemeClr val="tx1"/>
+                          </a:solidFill>
+                          <a:latin typeface="배달의민족 주아" panose="02020603020101020101" pitchFamily="18" charset="-127"/>
+                          <a:ea typeface="배달의민족 주아" panose="02020603020101020101" pitchFamily="18" charset="-127"/>
+                        </a:rPr>
+                        <a:t>(Fire Alarm)</a:t>
+                      </a:r>
+                      <a:endParaRPr lang="ko-KR" altLang="en-US" b="0" dirty="0">
+                        <a:solidFill>
+                          <a:schemeClr val="tx1"/>
+                        </a:solidFill>
+                        <a:latin typeface="배달의민족 주아" panose="02020603020101020101" pitchFamily="18" charset="-127"/>
+                        <a:ea typeface="배달의민족 주아" panose="02020603020101020101" pitchFamily="18" charset="-127"/>
+                      </a:endParaRPr>
+                    </a:p>
+                  </a:txBody>
+                  <a:tcPr anchor="ctr">
+                    <a:lnL w="12700" cap="flat" cmpd="sng" algn="ctr">
+                      <a:solidFill>
+                        <a:schemeClr val="tx1"/>
+                      </a:solidFill>
+                      <a:prstDash val="solid"/>
+                      <a:round/>
+                      <a:headEnd type="none" w="med" len="med"/>
+                      <a:tailEnd type="none" w="med" len="med"/>
+                    </a:lnL>
+                    <a:lnR w="12700" cap="flat" cmpd="sng" algn="ctr">
+                      <a:solidFill>
+                        <a:schemeClr val="tx1"/>
+                      </a:solidFill>
+                      <a:prstDash val="solid"/>
+                      <a:round/>
+                      <a:headEnd type="none" w="med" len="med"/>
+                      <a:tailEnd type="none" w="med" len="med"/>
+                    </a:lnR>
+                    <a:lnT w="12700" cap="flat" cmpd="sng" algn="ctr">
+                      <a:solidFill>
+                        <a:schemeClr val="tx1"/>
+                      </a:solidFill>
+                      <a:prstDash val="solid"/>
+                      <a:round/>
+                      <a:headEnd type="none" w="med" len="med"/>
+                      <a:tailEnd type="none" w="med" len="med"/>
+                    </a:lnT>
+                    <a:lnB w="12700" cap="flat" cmpd="sng" algn="ctr">
+                      <a:solidFill>
+                        <a:schemeClr val="tx1"/>
+                      </a:solidFill>
+                      <a:prstDash val="solid"/>
+                      <a:round/>
+                      <a:headEnd type="none" w="med" len="med"/>
+                      <a:tailEnd type="none" w="med" len="med"/>
+                    </a:lnB>
+                    <a:solidFill>
+                      <a:schemeClr val="bg2"/>
+                    </a:solidFill>
+                  </a:tcPr>
+                </a:tc>
+                <a:tc>
+                  <a:txBody>
+                    <a:bodyPr/>
+                    <a:lstStyle/>
+                    <a:p>
+                      <a:pPr algn="ctr" latinLnBrk="1"/>
+                      <a:r>
+                        <a:rPr lang="en-US" altLang="ko-KR" b="0" dirty="0">
+                          <a:solidFill>
+                            <a:schemeClr val="tx1"/>
+                          </a:solidFill>
+                          <a:latin typeface="배달의민족 주아" panose="02020603020101020101" pitchFamily="18" charset="-127"/>
+                          <a:ea typeface="배달의민족 주아" panose="02020603020101020101" pitchFamily="18" charset="-127"/>
+                        </a:rPr>
+                        <a:t>Type-I Error: </a:t>
+                      </a:r>
+                      <a:br>
+                        <a:rPr lang="en-US" altLang="ko-KR" b="0" dirty="0">
+                          <a:solidFill>
+                            <a:schemeClr val="tx1"/>
+                          </a:solidFill>
+                          <a:latin typeface="배달의민족 주아" panose="02020603020101020101" pitchFamily="18" charset="-127"/>
+                          <a:ea typeface="배달의민족 주아" panose="02020603020101020101" pitchFamily="18" charset="-127"/>
+                        </a:rPr>
+                      </a:br>
+                      <a:r>
+                        <a:rPr lang="en-US" altLang="ko-KR" b="0" dirty="0">
+                          <a:solidFill>
+                            <a:schemeClr val="tx1"/>
+                          </a:solidFill>
+                          <a:latin typeface="배달의민족 주아" panose="02020603020101020101" pitchFamily="18" charset="-127"/>
+                          <a:ea typeface="배달의민족 주아" panose="02020603020101020101" pitchFamily="18" charset="-127"/>
+                        </a:rPr>
+                        <a:t>False Alarm</a:t>
+                      </a:r>
+                    </a:p>
+                    <a:p>
+                      <a:pPr algn="ctr" latinLnBrk="1"/>
+                      <a:r>
+                        <a:rPr lang="en-US" altLang="ko-KR" b="0" dirty="0">
+                          <a:solidFill>
+                            <a:schemeClr val="tx1"/>
+                          </a:solidFill>
+                          <a:latin typeface="배달의민족 주아" panose="02020603020101020101" pitchFamily="18" charset="-127"/>
+                          <a:ea typeface="배달의민족 주아" panose="02020603020101020101" pitchFamily="18" charset="-127"/>
+                        </a:rPr>
+                        <a:t>(alarm without fire)</a:t>
+                      </a:r>
+                      <a:endParaRPr lang="ko-KR" altLang="en-US" b="0" dirty="0">
+                        <a:solidFill>
+                          <a:schemeClr val="tx1"/>
+                        </a:solidFill>
+                        <a:latin typeface="배달의민족 주아" panose="02020603020101020101" pitchFamily="18" charset="-127"/>
+                        <a:ea typeface="배달의민족 주아" panose="02020603020101020101" pitchFamily="18" charset="-127"/>
+                      </a:endParaRPr>
+                    </a:p>
+                  </a:txBody>
+                  <a:tcPr anchor="ctr">
+                    <a:lnL w="12700" cap="flat" cmpd="sng" algn="ctr">
+                      <a:solidFill>
+                        <a:schemeClr val="tx1"/>
+                      </a:solidFill>
+                      <a:prstDash val="solid"/>
+                      <a:round/>
+                      <a:headEnd type="none" w="med" len="med"/>
+                      <a:tailEnd type="none" w="med" len="med"/>
+                    </a:lnL>
+                    <a:lnR w="12700" cap="flat" cmpd="sng" algn="ctr">
+                      <a:solidFill>
+                        <a:schemeClr val="tx1"/>
+                      </a:solidFill>
+                      <a:prstDash val="solid"/>
+                      <a:round/>
+                      <a:headEnd type="none" w="med" len="med"/>
+                      <a:tailEnd type="none" w="med" len="med"/>
+                    </a:lnR>
+                    <a:lnT w="12700" cap="flat" cmpd="sng" algn="ctr">
+                      <a:solidFill>
+                        <a:schemeClr val="tx1"/>
+                      </a:solidFill>
+                      <a:prstDash val="solid"/>
+                      <a:round/>
+                      <a:headEnd type="none" w="med" len="med"/>
+                      <a:tailEnd type="none" w="med" len="med"/>
+                    </a:lnT>
+                    <a:lnB w="12700" cap="flat" cmpd="sng" algn="ctr">
+                      <a:solidFill>
+                        <a:schemeClr val="tx1"/>
+                      </a:solidFill>
+                      <a:prstDash val="solid"/>
+                      <a:round/>
+                      <a:headEnd type="none" w="med" len="med"/>
+                      <a:tailEnd type="none" w="med" len="med"/>
+                    </a:lnB>
+                    <a:solidFill>
+                      <a:schemeClr val="accent2">
+                        <a:lumMod val="40000"/>
+                        <a:lumOff val="60000"/>
+                      </a:schemeClr>
+                    </a:solidFill>
+                  </a:tcPr>
+                </a:tc>
+                <a:tc>
+                  <a:txBody>
+                    <a:bodyPr/>
+                    <a:lstStyle/>
+                    <a:p>
+                      <a:pPr algn="ctr" latinLnBrk="1"/>
+                      <a:r>
+                        <a:rPr lang="en-US" altLang="ko-KR" b="0" dirty="0">
+                          <a:solidFill>
+                            <a:schemeClr val="tx1"/>
+                          </a:solidFill>
+                          <a:latin typeface="배달의민족 주아" panose="02020603020101020101" pitchFamily="18" charset="-127"/>
+                          <a:ea typeface="배달의민족 주아" panose="02020603020101020101" pitchFamily="18" charset="-127"/>
+                        </a:rPr>
+                        <a:t>Right Decision</a:t>
+                      </a:r>
+                      <a:endParaRPr lang="ko-KR" altLang="en-US" b="0" dirty="0">
+                        <a:solidFill>
+                          <a:schemeClr val="tx1"/>
+                        </a:solidFill>
+                        <a:latin typeface="배달의민족 주아" panose="02020603020101020101" pitchFamily="18" charset="-127"/>
+                        <a:ea typeface="배달의민족 주아" panose="02020603020101020101" pitchFamily="18" charset="-127"/>
+                      </a:endParaRPr>
+                    </a:p>
+                  </a:txBody>
+                  <a:tcPr anchor="ctr">
+                    <a:lnL w="12700" cap="flat" cmpd="sng" algn="ctr">
+                      <a:solidFill>
+                        <a:schemeClr val="tx1"/>
+                      </a:solidFill>
+                      <a:prstDash val="solid"/>
+                      <a:round/>
+                      <a:headEnd type="none" w="med" len="med"/>
+                      <a:tailEnd type="none" w="med" len="med"/>
+                    </a:lnL>
+                    <a:lnR w="12700" cap="flat" cmpd="sng" algn="ctr">
+                      <a:solidFill>
+                        <a:schemeClr val="tx1"/>
+                      </a:solidFill>
+                      <a:prstDash val="solid"/>
+                      <a:round/>
+                      <a:headEnd type="none" w="med" len="med"/>
+                      <a:tailEnd type="none" w="med" len="med"/>
+                    </a:lnR>
+                    <a:lnT w="12700" cap="flat" cmpd="sng" algn="ctr">
+                      <a:solidFill>
+                        <a:schemeClr val="tx1"/>
+                      </a:solidFill>
+                      <a:prstDash val="solid"/>
+                      <a:round/>
+                      <a:headEnd type="none" w="med" len="med"/>
+                      <a:tailEnd type="none" w="med" len="med"/>
+                    </a:lnT>
+                    <a:lnB w="12700" cap="flat" cmpd="sng" algn="ctr">
+                      <a:solidFill>
+                        <a:schemeClr val="tx1"/>
+                      </a:solidFill>
+                      <a:prstDash val="solid"/>
+                      <a:round/>
+                      <a:headEnd type="none" w="med" len="med"/>
+                      <a:tailEnd type="none" w="med" len="med"/>
+                    </a:lnB>
+                    <a:solidFill>
+                      <a:schemeClr val="accent1">
+                        <a:lumMod val="20000"/>
+                        <a:lumOff val="80000"/>
+                      </a:schemeClr>
+                    </a:solidFill>
+                  </a:tcPr>
+                </a:tc>
+                <a:extLst>
+                  <a:ext uri="{0D108BD9-81ED-4DB2-BD59-A6C34878D82A}">
+                    <a16:rowId xmlns:a16="http://schemas.microsoft.com/office/drawing/2014/main" val="168351013"/>
+                  </a:ext>
+                </a:extLst>
+              </a:tr>
+            </a:tbl>
+          </a:graphicData>
+        </a:graphic>
+      </p:graphicFrame>
+    </p:spTree>
+    <p:extLst>
+      <p:ext uri="{BB962C8B-B14F-4D97-AF65-F5344CB8AC3E}">
+        <p14:creationId xmlns:p14="http://schemas.microsoft.com/office/powerpoint/2010/main" val="3766872430"/>
+      </p:ext>
+    </p:extLst>
+  </p:cSld>
+  <p:clrMapOvr>
+    <a:masterClrMapping/>
+  </p:clrMapOvr>
+</p:sld>
+</file>
+
 <file path=ppt/theme/theme1.xml><?xml version="1.0" encoding="utf-8"?>
 <a:theme xmlns:a="http://schemas.openxmlformats.org/drawingml/2006/main" name="Office 테마">
   <a:themeElements>
